--- a/assignment/assignment.pptx
+++ b/assignment/assignment.pptx
@@ -200,7 +200,7 @@
           <a:p>
             <a:fld id="{2810F96D-AAED-46B4-9287-2FCAFDFE893C}" type="datetimeFigureOut">
               <a:rPr lang="ko-KR" altLang="en-US" smtClean="0"/>
-              <a:t>2021-07-14</a:t>
+              <a:t>2021-07-15</a:t>
             </a:fld>
             <a:endParaRPr lang="ko-KR" altLang="en-US"/>
           </a:p>
@@ -606,7 +606,7 @@
           <a:p>
             <a:fld id="{F8D5ED43-C055-4AE5-84AD-C613D5669DDC}" type="datetimeFigureOut">
               <a:rPr lang="ko-KR" altLang="en-US" smtClean="0"/>
-              <a:t>2021-07-14</a:t>
+              <a:t>2021-07-15</a:t>
             </a:fld>
             <a:endParaRPr lang="ko-KR" altLang="en-US"/>
           </a:p>
@@ -848,7 +848,7 @@
           <a:p>
             <a:fld id="{F8D5ED43-C055-4AE5-84AD-C613D5669DDC}" type="datetimeFigureOut">
               <a:rPr lang="ko-KR" altLang="en-US" smtClean="0"/>
-              <a:t>2021-07-14</a:t>
+              <a:t>2021-07-15</a:t>
             </a:fld>
             <a:endParaRPr lang="ko-KR" altLang="en-US"/>
           </a:p>
@@ -1032,7 +1032,7 @@
           <a:p>
             <a:fld id="{F8D5ED43-C055-4AE5-84AD-C613D5669DDC}" type="datetimeFigureOut">
               <a:rPr lang="ko-KR" altLang="en-US" smtClean="0"/>
-              <a:t>2021-07-14</a:t>
+              <a:t>2021-07-15</a:t>
             </a:fld>
             <a:endParaRPr lang="ko-KR" altLang="en-US"/>
           </a:p>
@@ -1266,7 +1266,7 @@
           <a:p>
             <a:fld id="{F8D5ED43-C055-4AE5-84AD-C613D5669DDC}" type="datetimeFigureOut">
               <a:rPr lang="ko-KR" altLang="en-US" smtClean="0"/>
-              <a:t>2021-07-14</a:t>
+              <a:t>2021-07-15</a:t>
             </a:fld>
             <a:endParaRPr lang="ko-KR" altLang="en-US"/>
           </a:p>
@@ -1557,7 +1557,7 @@
           <a:p>
             <a:fld id="{F8D5ED43-C055-4AE5-84AD-C613D5669DDC}" type="datetimeFigureOut">
               <a:rPr lang="ko-KR" altLang="en-US" smtClean="0"/>
-              <a:t>2021-07-14</a:t>
+              <a:t>2021-07-15</a:t>
             </a:fld>
             <a:endParaRPr lang="ko-KR" altLang="en-US"/>
           </a:p>
@@ -1825,7 +1825,7 @@
           <a:p>
             <a:fld id="{F8D5ED43-C055-4AE5-84AD-C613D5669DDC}" type="datetimeFigureOut">
               <a:rPr lang="ko-KR" altLang="en-US" smtClean="0"/>
-              <a:t>2021-07-14</a:t>
+              <a:t>2021-07-15</a:t>
             </a:fld>
             <a:endParaRPr lang="ko-KR" altLang="en-US"/>
           </a:p>
@@ -2272,7 +2272,7 @@
           <a:p>
             <a:fld id="{F8D5ED43-C055-4AE5-84AD-C613D5669DDC}" type="datetimeFigureOut">
               <a:rPr lang="ko-KR" altLang="en-US" smtClean="0"/>
-              <a:t>2021-07-14</a:t>
+              <a:t>2021-07-15</a:t>
             </a:fld>
             <a:endParaRPr lang="ko-KR" altLang="en-US"/>
           </a:p>
@@ -2421,7 +2421,7 @@
           <a:p>
             <a:fld id="{F8D5ED43-C055-4AE5-84AD-C613D5669DDC}" type="datetimeFigureOut">
               <a:rPr lang="ko-KR" altLang="en-US" smtClean="0"/>
-              <a:t>2021-07-14</a:t>
+              <a:t>2021-07-15</a:t>
             </a:fld>
             <a:endParaRPr lang="ko-KR" altLang="en-US"/>
           </a:p>
@@ -2516,7 +2516,7 @@
           <a:p>
             <a:fld id="{F8D5ED43-C055-4AE5-84AD-C613D5669DDC}" type="datetimeFigureOut">
               <a:rPr lang="ko-KR" altLang="en-US" smtClean="0"/>
-              <a:t>2021-07-14</a:t>
+              <a:t>2021-07-15</a:t>
             </a:fld>
             <a:endParaRPr lang="ko-KR" altLang="en-US"/>
           </a:p>
@@ -2769,7 +2769,7 @@
           <a:p>
             <a:fld id="{F8D5ED43-C055-4AE5-84AD-C613D5669DDC}" type="datetimeFigureOut">
               <a:rPr lang="ko-KR" altLang="en-US" smtClean="0"/>
-              <a:t>2021-07-14</a:t>
+              <a:t>2021-07-15</a:t>
             </a:fld>
             <a:endParaRPr lang="ko-KR" altLang="en-US"/>
           </a:p>
@@ -3214,7 +3214,7 @@
           <a:p>
             <a:fld id="{F8D5ED43-C055-4AE5-84AD-C613D5669DDC}" type="datetimeFigureOut">
               <a:rPr lang="ko-KR" altLang="en-US" smtClean="0"/>
-              <a:t>2021-07-14</a:t>
+              <a:t>2021-07-15</a:t>
             </a:fld>
             <a:endParaRPr lang="ko-KR" altLang="en-US"/>
           </a:p>
@@ -3577,7 +3577,7 @@
           <a:p>
             <a:fld id="{F8D5ED43-C055-4AE5-84AD-C613D5669DDC}" type="datetimeFigureOut">
               <a:rPr lang="ko-KR" altLang="en-US" smtClean="0"/>
-              <a:t>2021-07-14</a:t>
+              <a:t>2021-07-15</a:t>
             </a:fld>
             <a:endParaRPr lang="ko-KR" altLang="en-US"/>
           </a:p>
@@ -4236,6 +4236,13 @@
             <a:r>
               <a:rPr lang="en-US" altLang="ko-KR" sz="1800" dirty="0"/>
               <a:t>Discuss the results</a:t>
+            </a:r>
+          </a:p>
+          <a:p>
+            <a:pPr lvl="1"/>
+            <a:r>
+              <a:rPr lang="en-US" altLang="ko-KR" sz="1800" dirty="0"/>
+              <a:t>Submit your work to mipl.hw@gmail.com</a:t>
             </a:r>
             <a:endParaRPr lang="ko-KR" altLang="en-US" sz="1800" dirty="0"/>
           </a:p>
